--- a/final_presentation_group6.pptx
+++ b/final_presentation_group6.pptx
@@ -5,7 +5,7 @@
     <p:sldMasterId id="2147483648" r:id="rId1"/>
   </p:sldMasterIdLst>
   <p:notesMasterIdLst>
-    <p:notesMasterId r:id="rId12"/>
+    <p:notesMasterId r:id="rId13"/>
   </p:notesMasterIdLst>
   <p:sldIdLst>
     <p:sldId id="259" r:id="rId2"/>
@@ -16,8 +16,9 @@
     <p:sldId id="266" r:id="rId7"/>
     <p:sldId id="273" r:id="rId8"/>
     <p:sldId id="268" r:id="rId9"/>
-    <p:sldId id="274" r:id="rId10"/>
-    <p:sldId id="275" r:id="rId11"/>
+    <p:sldId id="276" r:id="rId10"/>
+    <p:sldId id="277" r:id="rId11"/>
+    <p:sldId id="274" r:id="rId12"/>
   </p:sldIdLst>
   <p:sldSz cx="12192000" cy="6858000"/>
   <p:notesSz cx="6858000" cy="9144000"/>
@@ -127,15 +128,18 @@
 <file path=ppt/revisionInfo.xml><?xml version="1.0" encoding="utf-8"?>
 <p1510:revInfo xmlns:a="http://schemas.openxmlformats.org/drawingml/2006/main" xmlns:r="http://schemas.openxmlformats.org/officeDocument/2006/relationships" xmlns:p1510="http://schemas.microsoft.com/office/powerpoint/2015/10/main">
   <p1510:revLst>
+    <p1510:client id="{02A76DC8-AB37-E416-66E1-3023DF617FEF}" v="1" dt="2022-06-20T07:44:52.358"/>
     <p1510:client id="{0BD9D269-2C0A-9BED-092C-77D99A6601A6}" v="346" dt="2022-06-19T18:11:35.856"/>
     <p1510:client id="{107DCA2E-4B26-473F-AB6B-854BB43D15CA}" v="20" dt="2022-06-18T15:47:51.775"/>
     <p1510:client id="{1ED09729-F5EA-6558-0E29-D642D29888F4}" v="52" dt="2022-06-19T19:00:02.746"/>
+    <p1510:client id="{2AC882ED-CBC1-9F60-1A15-35385EB19A16}" v="23" dt="2022-06-20T07:59:56.286"/>
     <p1510:client id="{5FF743D3-48F5-9886-3367-A3C8A61941B5}" v="247" dt="2022-06-19T22:12:29.622"/>
     <p1510:client id="{847ED54B-9FFD-FB45-CEBA-27030F8B2752}" v="7" dt="2022-06-19T22:08:52.082"/>
     <p1510:client id="{9ED28639-8BE4-5DB0-2C4A-F0B2A5165584}" v="24" dt="2022-06-19T18:56:52.626"/>
     <p1510:client id="{B33CC561-5027-5D1A-54B7-9D05458F1508}" v="798" dt="2022-06-19T15:43:46.896"/>
     <p1510:client id="{D09058E6-61FD-4365-8C86-5A2A3E59E1DD}" v="2" dt="2022-06-18T15:45:01.287"/>
     <p1510:client id="{DB676083-B5F5-EBD3-850C-9C167EAF3C20}" v="769" dt="2022-06-19T19:17:03.457"/>
+    <p1510:client id="{FCB49165-9F76-1A56-3DB7-A8C29364F724}" v="32" dt="2022-06-20T07:58:44.488"/>
   </p1510:revLst>
 </p1510:revInfo>
 </file>
@@ -221,7 +225,7 @@
           </a:lstStyle>
           <a:p>
             <a:fld id="{85CD3C21-D1C0-4F75-8DC5-BC894CE4AFB9}" type="datetimeFigureOut">
-              <a:t>6/19/2022</a:t>
+              <a:t>6/20/2022</a:t>
             </a:fld>
             <a:endParaRPr lang="zh-CN" altLang="en-US"/>
           </a:p>
@@ -808,7 +812,7 @@
           <a:p>
             <a:fld id="{92E215C9-8750-40AD-940C-CCF0B24B0280}" type="datetimeFigureOut">
               <a:rPr lang="LID4096" smtClean="0"/>
-              <a:t>06/19/2022</a:t>
+              <a:t>06/20/2022</a:t>
             </a:fld>
             <a:endParaRPr lang="LID4096"/>
           </a:p>
@@ -1008,7 +1012,7 @@
           <a:p>
             <a:fld id="{92E215C9-8750-40AD-940C-CCF0B24B0280}" type="datetimeFigureOut">
               <a:rPr lang="LID4096" smtClean="0"/>
-              <a:t>06/19/2022</a:t>
+              <a:t>06/20/2022</a:t>
             </a:fld>
             <a:endParaRPr lang="LID4096"/>
           </a:p>
@@ -1218,7 +1222,7 @@
           <a:p>
             <a:fld id="{92E215C9-8750-40AD-940C-CCF0B24B0280}" type="datetimeFigureOut">
               <a:rPr lang="LID4096" smtClean="0"/>
-              <a:t>06/19/2022</a:t>
+              <a:t>06/20/2022</a:t>
             </a:fld>
             <a:endParaRPr lang="LID4096"/>
           </a:p>
@@ -4751,7 +4755,7 @@
           <a:p>
             <a:fld id="{92E215C9-8750-40AD-940C-CCF0B24B0280}" type="datetimeFigureOut">
               <a:rPr lang="LID4096" smtClean="0"/>
-              <a:t>06/19/2022</a:t>
+              <a:t>06/20/2022</a:t>
             </a:fld>
             <a:endParaRPr lang="LID4096"/>
           </a:p>
@@ -5027,7 +5031,7 @@
           <a:p>
             <a:fld id="{92E215C9-8750-40AD-940C-CCF0B24B0280}" type="datetimeFigureOut">
               <a:rPr lang="LID4096" smtClean="0"/>
-              <a:t>06/19/2022</a:t>
+              <a:t>06/20/2022</a:t>
             </a:fld>
             <a:endParaRPr lang="LID4096"/>
           </a:p>
@@ -5295,7 +5299,7 @@
           <a:p>
             <a:fld id="{92E215C9-8750-40AD-940C-CCF0B24B0280}" type="datetimeFigureOut">
               <a:rPr lang="LID4096" smtClean="0"/>
-              <a:t>06/19/2022</a:t>
+              <a:t>06/20/2022</a:t>
             </a:fld>
             <a:endParaRPr lang="LID4096"/>
           </a:p>
@@ -5710,7 +5714,7 @@
           <a:p>
             <a:fld id="{92E215C9-8750-40AD-940C-CCF0B24B0280}" type="datetimeFigureOut">
               <a:rPr lang="LID4096" smtClean="0"/>
-              <a:t>06/19/2022</a:t>
+              <a:t>06/20/2022</a:t>
             </a:fld>
             <a:endParaRPr lang="LID4096"/>
           </a:p>
@@ -5852,7 +5856,7 @@
           <a:p>
             <a:fld id="{92E215C9-8750-40AD-940C-CCF0B24B0280}" type="datetimeFigureOut">
               <a:rPr lang="LID4096" smtClean="0"/>
-              <a:t>06/19/2022</a:t>
+              <a:t>06/20/2022</a:t>
             </a:fld>
             <a:endParaRPr lang="LID4096"/>
           </a:p>
@@ -5965,7 +5969,7 @@
           <a:p>
             <a:fld id="{92E215C9-8750-40AD-940C-CCF0B24B0280}" type="datetimeFigureOut">
               <a:rPr lang="LID4096" smtClean="0"/>
-              <a:t>06/19/2022</a:t>
+              <a:t>06/20/2022</a:t>
             </a:fld>
             <a:endParaRPr lang="LID4096"/>
           </a:p>
@@ -6278,7 +6282,7 @@
           <a:p>
             <a:fld id="{92E215C9-8750-40AD-940C-CCF0B24B0280}" type="datetimeFigureOut">
               <a:rPr lang="LID4096" smtClean="0"/>
-              <a:t>06/19/2022</a:t>
+              <a:t>06/20/2022</a:t>
             </a:fld>
             <a:endParaRPr lang="LID4096"/>
           </a:p>
@@ -6567,7 +6571,7 @@
           <a:p>
             <a:fld id="{92E215C9-8750-40AD-940C-CCF0B24B0280}" type="datetimeFigureOut">
               <a:rPr lang="LID4096" smtClean="0"/>
-              <a:t>06/19/2022</a:t>
+              <a:t>06/20/2022</a:t>
             </a:fld>
             <a:endParaRPr lang="LID4096"/>
           </a:p>
@@ -6810,7 +6814,7 @@
           <a:p>
             <a:fld id="{92E215C9-8750-40AD-940C-CCF0B24B0280}" type="datetimeFigureOut">
               <a:rPr lang="LID4096" smtClean="0"/>
-              <a:t>06/19/2022</a:t>
+              <a:t>06/20/2022</a:t>
             </a:fld>
             <a:endParaRPr lang="LID4096"/>
           </a:p>
@@ -7500,10 +7504,194 @@
       </p:grpSpPr>
       <p:sp>
         <p:nvSpPr>
+          <p:cNvPr id="3157" name="Titel 9"/>
+          <p:cNvSpPr txBox="1">
+            <a:spLocks noGrp="1"/>
+          </p:cNvSpPr>
+          <p:nvPr>
+            <p:ph type="title"/>
+          </p:nvPr>
+        </p:nvSpPr>
+        <p:spPr>
+          <a:xfrm>
+            <a:off x="698499" y="741499"/>
+            <a:ext cx="10775072" cy="490401"/>
+          </a:xfrm>
+          <a:prstGeom prst="rect">
+            <a:avLst/>
+          </a:prstGeom>
+        </p:spPr>
+        <p:txBody>
+          <a:bodyPr>
+            <a:normAutofit fontScale="90000"/>
+          </a:bodyPr>
+          <a:lstStyle>
+            <a:lvl1pPr defTabSz="850391">
+              <a:tabLst>
+                <a:tab pos="1155700" algn="l"/>
+              </a:tabLst>
+              <a:defRPr sz="2976"/>
+            </a:lvl1pPr>
+          </a:lstStyle>
+          <a:p>
+            <a:r>
+              <a:rPr lang="en-US" sz="2950">
+                <a:ea typeface="+mj-lt"/>
+                <a:cs typeface="+mj-lt"/>
+              </a:rPr>
+              <a:t>Results</a:t>
+            </a:r>
+            <a:endParaRPr lang="en-US"/>
+          </a:p>
+        </p:txBody>
+      </p:sp>
+      <p:sp>
+        <p:nvSpPr>
+          <p:cNvPr id="3159" name="Tijdelijke aanduiding voor datum 3"/>
+          <p:cNvSpPr txBox="1"/>
+          <p:nvPr/>
+        </p:nvSpPr>
+        <p:spPr>
+          <a:xfrm>
+            <a:off x="9789848" y="6246130"/>
+            <a:ext cx="1181101" cy="172815"/>
+          </a:xfrm>
+          <a:prstGeom prst="rect">
+            <a:avLst/>
+          </a:prstGeom>
+          <a:ln w="12700">
+            <a:miter lim="400000"/>
+          </a:ln>
+          <a:extLst>
+            <a:ext uri="{C572A759-6A51-4108-AA02-DFA0A04FC94B}">
+              <ma14:wrappingTextBoxFlag xmlns="" xmlns:ma14="http://schemas.microsoft.com/office/mac/drawingml/2011/main" xmlns:a14="http://schemas.microsoft.com/office/drawing/2010/main" xmlns:m="http://schemas.openxmlformats.org/officeDocument/2006/math" val="1"/>
+            </a:ext>
+          </a:extLst>
+        </p:spPr>
+        <p:txBody>
+          <a:bodyPr lIns="0" tIns="0" rIns="0" bIns="0" anchor="ctr">
+            <a:spAutoFit/>
+          </a:bodyPr>
+          <a:lstStyle>
+            <a:lvl1pPr algn="r">
+              <a:defRPr sz="1200">
+                <a:solidFill>
+                  <a:srgbClr val="A6A6A6"/>
+                </a:solidFill>
+              </a:defRPr>
+            </a:lvl1pPr>
+          </a:lstStyle>
+          <a:p>
+            <a:r>
+              <a:t>09-10-2020</a:t>
+            </a:r>
+          </a:p>
+        </p:txBody>
+      </p:sp>
+      <p:sp>
+        <p:nvSpPr>
+          <p:cNvPr id="3160" name="Tijdelijke aanduiding voor dianummer 5"/>
+          <p:cNvSpPr txBox="1">
+            <a:spLocks noGrp="1"/>
+          </p:cNvSpPr>
+          <p:nvPr>
+            <p:ph type="sldNum" sz="quarter" idx="2"/>
+          </p:nvPr>
+        </p:nvSpPr>
+        <p:spPr>
+          <a:xfrm>
+            <a:off x="11345000" y="6246130"/>
+            <a:ext cx="127001" cy="172815"/>
+          </a:xfrm>
+          <a:prstGeom prst="rect">
+            <a:avLst/>
+          </a:prstGeom>
+          <a:extLst>
+            <a:ext uri="{C572A759-6A51-4108-AA02-DFA0A04FC94B}">
+              <ma14:wrappingTextBoxFlag xmlns="" xmlns:ma14="http://schemas.microsoft.com/office/mac/drawingml/2011/main" xmlns:a14="http://schemas.microsoft.com/office/drawing/2010/main" xmlns:m="http://schemas.openxmlformats.org/officeDocument/2006/math" val="1"/>
+            </a:ext>
+          </a:extLst>
+        </p:spPr>
+        <p:txBody>
+          <a:bodyPr/>
+          <a:lstStyle/>
+          <a:p>
+            <a:fld id="{86CB4B4D-7CA3-9044-876B-883B54F8677D}" type="slidenum">
+              <a:t>10</a:t>
+            </a:fld>
+            <a:endParaRPr/>
+          </a:p>
+        </p:txBody>
+      </p:sp>
+      <p:pic>
+        <p:nvPicPr>
+          <p:cNvPr id="2" name="Picture 3" descr="A picture containing graphical user interface&#10;&#10;Description automatically generated">
+            <a:extLst>
+              <a:ext uri="{FF2B5EF4-FFF2-40B4-BE49-F238E27FC236}">
+                <a16:creationId xmlns:a16="http://schemas.microsoft.com/office/drawing/2014/main" id="{D791970C-303B-E91F-BA12-A4CE723A426D}"/>
+              </a:ext>
+            </a:extLst>
+          </p:cNvPr>
+          <p:cNvPicPr>
+            <a:picLocks noChangeAspect="1"/>
+          </p:cNvPicPr>
+          <p:nvPr/>
+        </p:nvPicPr>
+        <p:blipFill>
+          <a:blip r:embed="rId2"/>
+          <a:stretch>
+            <a:fillRect/>
+          </a:stretch>
+        </p:blipFill>
+        <p:spPr>
+          <a:xfrm>
+            <a:off x="561910" y="1234516"/>
+            <a:ext cx="11026710" cy="4347499"/>
+          </a:xfrm>
+          <a:prstGeom prst="rect">
+            <a:avLst/>
+          </a:prstGeom>
+        </p:spPr>
+      </p:pic>
+    </p:spTree>
+    <p:extLst>
+      <p:ext uri="{BB962C8B-B14F-4D97-AF65-F5344CB8AC3E}">
+        <p14:creationId xmlns:p14="http://schemas.microsoft.com/office/powerpoint/2010/main" val="1474897921"/>
+      </p:ext>
+    </p:extLst>
+  </p:cSld>
+  <p:clrMapOvr>
+    <a:masterClrMapping/>
+  </p:clrMapOvr>
+  <p:transition spd="slow">
+    <p:fade/>
+  </p:transition>
+</p:sld>
+</file>
+
+<file path=ppt/slides/slide11.xml><?xml version="1.0" encoding="utf-8"?>
+<p:sld xmlns:a="http://schemas.openxmlformats.org/drawingml/2006/main" xmlns:r="http://schemas.openxmlformats.org/officeDocument/2006/relationships" xmlns:p="http://schemas.openxmlformats.org/presentationml/2006/main">
+  <p:cSld>
+    <p:spTree>
+      <p:nvGrpSpPr>
+        <p:cNvPr id="1" name=""/>
+        <p:cNvGrpSpPr/>
+        <p:nvPr/>
+      </p:nvGrpSpPr>
+      <p:grpSpPr>
+        <a:xfrm>
+          <a:off x="0" y="0"/>
+          <a:ext cx="0" cy="0"/>
+          <a:chOff x="0" y="0"/>
+          <a:chExt cx="0" cy="0"/>
+        </a:xfrm>
+      </p:grpSpPr>
+      <p:sp>
+        <p:nvSpPr>
           <p:cNvPr id="2" name="Title 1">
             <a:extLst>
               <a:ext uri="{FF2B5EF4-FFF2-40B4-BE49-F238E27FC236}">
-                <a16:creationId xmlns:a16="http://schemas.microsoft.com/office/drawing/2014/main" id="{DA2DAD68-2D6C-F6BF-6456-54966CBCA3FC}"/>
+                <a16:creationId xmlns:a16="http://schemas.microsoft.com/office/drawing/2014/main" id="{FC0994A5-1EDC-5488-3539-B29C09E8FE1F}"/>
               </a:ext>
             </a:extLst>
           </p:cNvPr>
@@ -7525,16 +7713,15 @@
               <a:rPr lang="en-US">
                 <a:cs typeface="Calibri Light"/>
               </a:rPr>
-              <a:t>*Backup slides</a:t>
-            </a:r>
-            <a:endParaRPr lang="en-US"/>
+              <a:t>Q&amp;A</a:t>
+            </a:r>
           </a:p>
         </p:txBody>
       </p:sp>
     </p:spTree>
     <p:extLst>
       <p:ext uri="{BB962C8B-B14F-4D97-AF65-F5344CB8AC3E}">
-        <p14:creationId xmlns:p14="http://schemas.microsoft.com/office/powerpoint/2010/main" val="927550397"/>
+        <p14:creationId xmlns:p14="http://schemas.microsoft.com/office/powerpoint/2010/main" val="934779200"/>
       </p:ext>
     </p:extLst>
   </p:cSld>
@@ -7626,7 +7813,7 @@
           </a:ln>
           <a:extLst>
             <a:ext uri="{C572A759-6A51-4108-AA02-DFA0A04FC94B}">
-              <ma14:wrappingTextBoxFlag xmlns:m="http://schemas.openxmlformats.org/officeDocument/2006/math" xmlns:a14="http://schemas.microsoft.com/office/drawing/2010/main" xmlns:ma14="http://schemas.microsoft.com/office/mac/drawingml/2011/main" xmlns="" val="1"/>
+              <ma14:wrappingTextBoxFlag xmlns="" xmlns:ma14="http://schemas.microsoft.com/office/mac/drawingml/2011/main" xmlns:a14="http://schemas.microsoft.com/office/drawing/2010/main" xmlns:m="http://schemas.openxmlformats.org/officeDocument/2006/math" val="1"/>
             </a:ext>
           </a:extLst>
         </p:spPr>
@@ -7670,7 +7857,7 @@
           </a:prstGeom>
           <a:extLst>
             <a:ext uri="{C572A759-6A51-4108-AA02-DFA0A04FC94B}">
-              <ma14:wrappingTextBoxFlag xmlns:m="http://schemas.openxmlformats.org/officeDocument/2006/math" xmlns:a14="http://schemas.microsoft.com/office/drawing/2010/main" xmlns:ma14="http://schemas.microsoft.com/office/mac/drawingml/2011/main" xmlns="" val="1"/>
+              <ma14:wrappingTextBoxFlag xmlns="" xmlns:ma14="http://schemas.microsoft.com/office/mac/drawingml/2011/main" xmlns:a14="http://schemas.microsoft.com/office/drawing/2010/main" xmlns:m="http://schemas.openxmlformats.org/officeDocument/2006/math" val="1"/>
             </a:ext>
           </a:extLst>
         </p:spPr>
@@ -7808,10 +7995,10 @@
       </p:pic>
       <p:pic>
         <p:nvPicPr>
-          <p:cNvPr id="4" name="图片 7" descr="图形用户界面, 图示&#10;&#10;已自动生成说明">
+          <p:cNvPr id="6" name="图片 7" descr="徽标, 公司名称&#10;&#10;已自动生成说明">
             <a:extLst>
               <a:ext uri="{FF2B5EF4-FFF2-40B4-BE49-F238E27FC236}">
-                <a16:creationId xmlns:a16="http://schemas.microsoft.com/office/drawing/2014/main" id="{5D3A92F5-FD01-EDC0-90F9-364B18668581}"/>
+                <a16:creationId xmlns:a16="http://schemas.microsoft.com/office/drawing/2014/main" id="{82C5B69B-EB16-6A16-7919-3BEB9AD036DD}"/>
               </a:ext>
             </a:extLst>
           </p:cNvPr>
@@ -7828,8 +8015,68 @@
         </p:blipFill>
         <p:spPr>
           <a:xfrm>
-            <a:off x="2049118" y="1243420"/>
-            <a:ext cx="11812655" cy="7278355"/>
+            <a:off x="3657551" y="5696097"/>
+            <a:ext cx="1090466" cy="1090466"/>
+          </a:xfrm>
+          <a:prstGeom prst="rect">
+            <a:avLst/>
+          </a:prstGeom>
+        </p:spPr>
+      </p:pic>
+      <p:pic>
+        <p:nvPicPr>
+          <p:cNvPr id="8" name="图片 8" descr="图形用户界面, 图示&#10;&#10;已自动生成说明">
+            <a:extLst>
+              <a:ext uri="{FF2B5EF4-FFF2-40B4-BE49-F238E27FC236}">
+                <a16:creationId xmlns:a16="http://schemas.microsoft.com/office/drawing/2014/main" id="{31F2F03F-CAB1-4C02-C152-0121FB5D1853}"/>
+              </a:ext>
+            </a:extLst>
+          </p:cNvPr>
+          <p:cNvPicPr>
+            <a:picLocks noChangeAspect="1"/>
+          </p:cNvPicPr>
+          <p:nvPr/>
+        </p:nvPicPr>
+        <p:blipFill>
+          <a:blip r:embed="rId7"/>
+          <a:stretch>
+            <a:fillRect/>
+          </a:stretch>
+        </p:blipFill>
+        <p:spPr>
+          <a:xfrm>
+            <a:off x="1846883" y="1367575"/>
+            <a:ext cx="11934127" cy="7372618"/>
+          </a:xfrm>
+          <a:prstGeom prst="rect">
+            <a:avLst/>
+          </a:prstGeom>
+        </p:spPr>
+      </p:pic>
+      <p:pic>
+        <p:nvPicPr>
+          <p:cNvPr id="9" name="图片 9" descr="图标&#10;&#10;已自动生成说明">
+            <a:extLst>
+              <a:ext uri="{FF2B5EF4-FFF2-40B4-BE49-F238E27FC236}">
+                <a16:creationId xmlns:a16="http://schemas.microsoft.com/office/drawing/2014/main" id="{B93E72EA-AF43-127D-DFB0-E8B252F17E4F}"/>
+              </a:ext>
+            </a:extLst>
+          </p:cNvPr>
+          <p:cNvPicPr>
+            <a:picLocks noChangeAspect="1"/>
+          </p:cNvPicPr>
+          <p:nvPr/>
+        </p:nvPicPr>
+        <p:blipFill>
+          <a:blip r:embed="rId8"/>
+          <a:stretch>
+            <a:fillRect/>
+          </a:stretch>
+        </p:blipFill>
+        <p:spPr>
+          <a:xfrm>
+            <a:off x="5073952" y="5779558"/>
+            <a:ext cx="1221620" cy="929217"/>
           </a:xfrm>
           <a:prstGeom prst="rect">
             <a:avLst/>
@@ -8375,7 +8622,7 @@
           </a:prstGeom>
           <a:extLst>
             <a:ext uri="{C572A759-6A51-4108-AA02-DFA0A04FC94B}">
-              <ma14:wrappingTextBoxFlag xmlns:ma14="http://schemas.microsoft.com/office/mac/drawingml/2011/main" xmlns:a14="http://schemas.microsoft.com/office/drawing/2010/main" xmlns:m="http://schemas.openxmlformats.org/officeDocument/2006/math" xmlns="" val="1"/>
+              <ma14:wrappingTextBoxFlag xmlns="" xmlns:ma14="http://schemas.microsoft.com/office/mac/drawingml/2011/main" xmlns:a14="http://schemas.microsoft.com/office/drawing/2010/main" xmlns:m="http://schemas.openxmlformats.org/officeDocument/2006/math" val="1"/>
             </a:ext>
           </a:extLst>
         </p:spPr>
@@ -8469,7 +8716,7 @@
           </a:ln>
           <a:extLst>
             <a:ext uri="{C572A759-6A51-4108-AA02-DFA0A04FC94B}">
-              <ma14:wrappingTextBoxFlag xmlns:ma14="http://schemas.microsoft.com/office/mac/drawingml/2011/main" xmlns:a14="http://schemas.microsoft.com/office/drawing/2010/main" xmlns:m="http://schemas.openxmlformats.org/officeDocument/2006/math" xmlns="" val="1"/>
+              <ma14:wrappingTextBoxFlag xmlns="" xmlns:ma14="http://schemas.microsoft.com/office/mac/drawingml/2011/main" xmlns:a14="http://schemas.microsoft.com/office/drawing/2010/main" xmlns:m="http://schemas.openxmlformats.org/officeDocument/2006/math" val="1"/>
             </a:ext>
           </a:extLst>
         </p:spPr>
@@ -9052,7 +9299,7 @@
           </a:prstGeom>
           <a:extLst>
             <a:ext uri="{C572A759-6A51-4108-AA02-DFA0A04FC94B}">
-              <ma14:wrappingTextBoxFlag xmlns:m="http://schemas.openxmlformats.org/officeDocument/2006/math" xmlns:a14="http://schemas.microsoft.com/office/drawing/2010/main" xmlns:ma14="http://schemas.microsoft.com/office/mac/drawingml/2011/main" xmlns="" val="1"/>
+              <ma14:wrappingTextBoxFlag xmlns="" xmlns:m="http://schemas.openxmlformats.org/officeDocument/2006/math" xmlns:a14="http://schemas.microsoft.com/office/drawing/2010/main" xmlns:ma14="http://schemas.microsoft.com/office/mac/drawingml/2011/main" val="1"/>
             </a:ext>
           </a:extLst>
         </p:spPr>
@@ -9113,7 +9360,7 @@
           </a:ln>
           <a:extLst>
             <a:ext uri="{C572A759-6A51-4108-AA02-DFA0A04FC94B}">
-              <ma14:wrappingTextBoxFlag xmlns:m="http://schemas.openxmlformats.org/officeDocument/2006/math" xmlns:a14="http://schemas.microsoft.com/office/drawing/2010/main" xmlns:ma14="http://schemas.microsoft.com/office/mac/drawingml/2011/main" xmlns="" val="1"/>
+              <ma14:wrappingTextBoxFlag xmlns="" xmlns:m="http://schemas.openxmlformats.org/officeDocument/2006/math" xmlns:a14="http://schemas.microsoft.com/office/drawing/2010/main" xmlns:ma14="http://schemas.microsoft.com/office/mac/drawingml/2011/main" val="1"/>
             </a:ext>
           </a:extLst>
         </p:spPr>
@@ -9400,7 +9647,7 @@
           <a:p>
             <a:pPr algn="ctr" defTabSz="914400"/>
             <a:r>
-              <a:rPr lang="en-US" sz="6100"/>
+              <a:rPr lang="en-US" sz="4000"/>
               <a:t>Method of transaction execution</a:t>
             </a:r>
           </a:p>
@@ -9767,7 +10014,7 @@
           </a:prstGeom>
           <a:extLst>
             <a:ext uri="{C572A759-6A51-4108-AA02-DFA0A04FC94B}">
-              <ma14:wrappingTextBoxFlag xmlns:ma14="http://schemas.microsoft.com/office/mac/drawingml/2011/main" xmlns:a14="http://schemas.microsoft.com/office/drawing/2010/main" xmlns:m="http://schemas.openxmlformats.org/officeDocument/2006/math" xmlns="" val="1"/>
+              <ma14:wrappingTextBoxFlag xmlns="" xmlns:ma14="http://schemas.microsoft.com/office/mac/drawingml/2011/main" xmlns:a14="http://schemas.microsoft.com/office/drawing/2010/main" xmlns:m="http://schemas.openxmlformats.org/officeDocument/2006/math" val="1"/>
             </a:ext>
           </a:extLst>
         </p:spPr>
@@ -9814,7 +10061,7 @@
           </a:ln>
           <a:extLst>
             <a:ext uri="{C572A759-6A51-4108-AA02-DFA0A04FC94B}">
-              <ma14:wrappingTextBoxFlag xmlns:ma14="http://schemas.microsoft.com/office/mac/drawingml/2011/main" xmlns:a14="http://schemas.microsoft.com/office/drawing/2010/main" xmlns:m="http://schemas.openxmlformats.org/officeDocument/2006/math" xmlns="" val="1"/>
+              <ma14:wrappingTextBoxFlag xmlns="" xmlns:ma14="http://schemas.microsoft.com/office/mac/drawingml/2011/main" xmlns:a14="http://schemas.microsoft.com/office/drawing/2010/main" xmlns:m="http://schemas.openxmlformats.org/officeDocument/2006/math" val="1"/>
             </a:ext>
           </a:extLst>
         </p:spPr>
@@ -10559,98 +10806,6 @@
   <p:transition spd="slow">
     <p:fade/>
   </p:transition>
-  <p:timing>
-    <p:tnLst>
-      <p:par>
-        <p:cTn id="1" dur="indefinite" restart="never" nodeType="tmRoot">
-          <p:childTnLst>
-            <p:seq concurrent="1" nextAc="seek">
-              <p:cTn id="2" dur="indefinite" nodeType="mainSeq">
-                <p:childTnLst>
-                  <p:par>
-                    <p:cTn id="3" fill="hold">
-                      <p:stCondLst>
-                        <p:cond delay="indefinite"/>
-                        <p:cond evt="onBegin" delay="0">
-                          <p:tn val="2"/>
-                        </p:cond>
-                      </p:stCondLst>
-                      <p:childTnLst>
-                        <p:par>
-                          <p:cTn id="4" fill="hold">
-                            <p:stCondLst>
-                              <p:cond delay="0"/>
-                            </p:stCondLst>
-                            <p:childTnLst>
-                              <p:par>
-                                <p:cTn id="5" presetID="10" presetClass="entr" presetSubtype="0" fill="hold" grpId="0" nodeType="withEffect">
-                                  <p:stCondLst>
-                                    <p:cond delay="1000"/>
-                                  </p:stCondLst>
-                                  <p:iterate type="lt">
-                                    <p:tmPct val="10000"/>
-                                  </p:iterate>
-                                  <p:childTnLst>
-                                    <p:set>
-                                      <p:cBhvr>
-                                        <p:cTn id="6" dur="1" fill="hold">
-                                          <p:stCondLst>
-                                            <p:cond delay="0"/>
-                                          </p:stCondLst>
-                                        </p:cTn>
-                                        <p:tgtEl>
-                                          <p:spTgt spid="10"/>
-                                        </p:tgtEl>
-                                        <p:attrNameLst>
-                                          <p:attrName>style.visibility</p:attrName>
-                                        </p:attrNameLst>
-                                      </p:cBhvr>
-                                      <p:to>
-                                        <p:strVal val="visible"/>
-                                      </p:to>
-                                    </p:set>
-                                    <p:animEffect transition="in" filter="fade">
-                                      <p:cBhvr>
-                                        <p:cTn id="7" dur="400"/>
-                                        <p:tgtEl>
-                                          <p:spTgt spid="10"/>
-                                        </p:tgtEl>
-                                      </p:cBhvr>
-                                    </p:animEffect>
-                                  </p:childTnLst>
-                                </p:cTn>
-                              </p:par>
-                            </p:childTnLst>
-                          </p:cTn>
-                        </p:par>
-                      </p:childTnLst>
-                    </p:cTn>
-                  </p:par>
-                </p:childTnLst>
-              </p:cTn>
-              <p:prevCondLst>
-                <p:cond evt="onPrev" delay="0">
-                  <p:tgtEl>
-                    <p:sldTgt/>
-                  </p:tgtEl>
-                </p:cond>
-              </p:prevCondLst>
-              <p:nextCondLst>
-                <p:cond evt="onNext" delay="0">
-                  <p:tgtEl>
-                    <p:sldTgt/>
-                  </p:tgtEl>
-                </p:cond>
-              </p:nextCondLst>
-            </p:seq>
-          </p:childTnLst>
-        </p:cTn>
-      </p:par>
-    </p:tnLst>
-    <p:bldLst>
-      <p:bldP spid="10" grpId="0"/>
-    </p:bldLst>
-  </p:timing>
 </p:sld>
 </file>
 
@@ -11195,98 +11350,6 @@
   <p:transition spd="slow">
     <p:fade/>
   </p:transition>
-  <p:timing>
-    <p:tnLst>
-      <p:par>
-        <p:cTn id="1" dur="indefinite" restart="never" nodeType="tmRoot">
-          <p:childTnLst>
-            <p:seq concurrent="1" nextAc="seek">
-              <p:cTn id="2" dur="indefinite" nodeType="mainSeq">
-                <p:childTnLst>
-                  <p:par>
-                    <p:cTn id="3" fill="hold">
-                      <p:stCondLst>
-                        <p:cond delay="indefinite"/>
-                        <p:cond evt="onBegin" delay="0">
-                          <p:tn val="2"/>
-                        </p:cond>
-                      </p:stCondLst>
-                      <p:childTnLst>
-                        <p:par>
-                          <p:cTn id="4" fill="hold">
-                            <p:stCondLst>
-                              <p:cond delay="0"/>
-                            </p:stCondLst>
-                            <p:childTnLst>
-                              <p:par>
-                                <p:cTn id="5" presetID="10" presetClass="entr" presetSubtype="0" fill="hold" grpId="0" nodeType="withEffect">
-                                  <p:stCondLst>
-                                    <p:cond delay="1000"/>
-                                  </p:stCondLst>
-                                  <p:iterate type="lt">
-                                    <p:tmPct val="10000"/>
-                                  </p:iterate>
-                                  <p:childTnLst>
-                                    <p:set>
-                                      <p:cBhvr>
-                                        <p:cTn id="6" dur="1" fill="hold">
-                                          <p:stCondLst>
-                                            <p:cond delay="0"/>
-                                          </p:stCondLst>
-                                        </p:cTn>
-                                        <p:tgtEl>
-                                          <p:spTgt spid="10"/>
-                                        </p:tgtEl>
-                                        <p:attrNameLst>
-                                          <p:attrName>style.visibility</p:attrName>
-                                        </p:attrNameLst>
-                                      </p:cBhvr>
-                                      <p:to>
-                                        <p:strVal val="visible"/>
-                                      </p:to>
-                                    </p:set>
-                                    <p:animEffect transition="in" filter="fade">
-                                      <p:cBhvr>
-                                        <p:cTn id="7" dur="400"/>
-                                        <p:tgtEl>
-                                          <p:spTgt spid="10"/>
-                                        </p:tgtEl>
-                                      </p:cBhvr>
-                                    </p:animEffect>
-                                  </p:childTnLst>
-                                </p:cTn>
-                              </p:par>
-                            </p:childTnLst>
-                          </p:cTn>
-                        </p:par>
-                      </p:childTnLst>
-                    </p:cTn>
-                  </p:par>
-                </p:childTnLst>
-              </p:cTn>
-              <p:prevCondLst>
-                <p:cond evt="onPrev" delay="0">
-                  <p:tgtEl>
-                    <p:sldTgt/>
-                  </p:tgtEl>
-                </p:cond>
-              </p:prevCondLst>
-              <p:nextCondLst>
-                <p:cond evt="onNext" delay="0">
-                  <p:tgtEl>
-                    <p:sldTgt/>
-                  </p:tgtEl>
-                </p:cond>
-              </p:nextCondLst>
-            </p:seq>
-          </p:childTnLst>
-        </p:cTn>
-      </p:par>
-    </p:tnLst>
-    <p:bldLst>
-      <p:bldP spid="10" grpId="0"/>
-    </p:bldLst>
-  </p:timing>
 </p:sld>
 </file>
 
@@ -11369,7 +11432,7 @@
           </a:ln>
           <a:extLst>
             <a:ext uri="{C572A759-6A51-4108-AA02-DFA0A04FC94B}">
-              <ma14:wrappingTextBoxFlag xmlns:ma14="http://schemas.microsoft.com/office/mac/drawingml/2011/main" xmlns:a14="http://schemas.microsoft.com/office/drawing/2010/main" xmlns:m="http://schemas.openxmlformats.org/officeDocument/2006/math" xmlns="" val="1"/>
+              <ma14:wrappingTextBoxFlag xmlns="" xmlns:ma14="http://schemas.microsoft.com/office/mac/drawingml/2011/main" xmlns:a14="http://schemas.microsoft.com/office/drawing/2010/main" xmlns:m="http://schemas.openxmlformats.org/officeDocument/2006/math" val="1"/>
             </a:ext>
           </a:extLst>
         </p:spPr>
@@ -11413,7 +11476,7 @@
           </a:prstGeom>
           <a:extLst>
             <a:ext uri="{C572A759-6A51-4108-AA02-DFA0A04FC94B}">
-              <ma14:wrappingTextBoxFlag xmlns:ma14="http://schemas.microsoft.com/office/mac/drawingml/2011/main" xmlns:a14="http://schemas.microsoft.com/office/drawing/2010/main" xmlns:m="http://schemas.openxmlformats.org/officeDocument/2006/math" xmlns="" val="1"/>
+              <ma14:wrappingTextBoxFlag xmlns="" xmlns:ma14="http://schemas.microsoft.com/office/mac/drawingml/2011/main" xmlns:a14="http://schemas.microsoft.com/office/drawing/2010/main" xmlns:m="http://schemas.openxmlformats.org/officeDocument/2006/math" val="1"/>
             </a:ext>
           </a:extLst>
         </p:spPr>
@@ -11480,39 +11543,10 @@
       </p:sp>
       <p:pic>
         <p:nvPicPr>
-          <p:cNvPr id="3" name="Picture 3" descr="Graphical user interface&#10;&#10;Description automatically generated">
+          <p:cNvPr id="5" name="Picture 5" descr="Table&#10;&#10;Description automatically generated">
             <a:extLst>
               <a:ext uri="{FF2B5EF4-FFF2-40B4-BE49-F238E27FC236}">
-                <a16:creationId xmlns:a16="http://schemas.microsoft.com/office/drawing/2014/main" id="{5B7DDF08-3E04-3CFA-106D-225D0BAD8BBA}"/>
-              </a:ext>
-            </a:extLst>
-          </p:cNvPr>
-          <p:cNvPicPr>
-            <a:picLocks noChangeAspect="1"/>
-          </p:cNvPicPr>
-          <p:nvPr/>
-        </p:nvPicPr>
-        <p:blipFill rotWithShape="1">
-          <a:blip r:embed="rId2"/>
-          <a:srcRect t="8417" r="-78" b="-926"/>
-          <a:stretch/>
-        </p:blipFill>
-        <p:spPr>
-          <a:xfrm>
-            <a:off x="1030706" y="2009635"/>
-            <a:ext cx="6471080" cy="3624551"/>
-          </a:xfrm>
-          <a:prstGeom prst="rect">
-            <a:avLst/>
-          </a:prstGeom>
-        </p:spPr>
-      </p:pic>
-      <p:pic>
-        <p:nvPicPr>
-          <p:cNvPr id="4" name="Picture 4">
-            <a:extLst>
-              <a:ext uri="{FF2B5EF4-FFF2-40B4-BE49-F238E27FC236}">
-                <a16:creationId xmlns:a16="http://schemas.microsoft.com/office/drawing/2014/main" id="{BA853EA4-5730-2311-CAE3-F6BFC895D796}"/>
+                <a16:creationId xmlns:a16="http://schemas.microsoft.com/office/drawing/2014/main" id="{A4D01B50-80B5-BAB4-C8A6-1DFCF890D64C}"/>
               </a:ext>
             </a:extLst>
           </p:cNvPr>
@@ -11522,15 +11556,15 @@
           <p:nvPr/>
         </p:nvPicPr>
         <p:blipFill>
-          <a:blip r:embed="rId3"/>
+          <a:blip r:embed="rId2"/>
           <a:stretch>
             <a:fillRect/>
           </a:stretch>
         </p:blipFill>
         <p:spPr>
           <a:xfrm>
-            <a:off x="946484" y="2010628"/>
-            <a:ext cx="9099884" cy="3582703"/>
+            <a:off x="919884" y="2176980"/>
+            <a:ext cx="9833810" cy="3827676"/>
           </a:xfrm>
           <a:prstGeom prst="rect">
             <a:avLst/>
@@ -11572,47 +11606,197 @@
       </p:grpSpPr>
       <p:sp>
         <p:nvSpPr>
-          <p:cNvPr id="2" name="Title 1">
-            <a:extLst>
-              <a:ext uri="{FF2B5EF4-FFF2-40B4-BE49-F238E27FC236}">
-                <a16:creationId xmlns:a16="http://schemas.microsoft.com/office/drawing/2014/main" id="{FC0994A5-1EDC-5488-3539-B29C09E8FE1F}"/>
-              </a:ext>
-            </a:extLst>
-          </p:cNvPr>
-          <p:cNvSpPr>
+          <p:cNvPr id="3157" name="Titel 9"/>
+          <p:cNvSpPr txBox="1">
             <a:spLocks noGrp="1"/>
           </p:cNvSpPr>
           <p:nvPr>
             <p:ph type="title"/>
           </p:nvPr>
         </p:nvSpPr>
-        <p:spPr/>
+        <p:spPr>
+          <a:xfrm>
+            <a:off x="698499" y="741499"/>
+            <a:ext cx="10775072" cy="490401"/>
+          </a:xfrm>
+          <a:prstGeom prst="rect">
+            <a:avLst/>
+          </a:prstGeom>
+        </p:spPr>
         <p:txBody>
           <a:bodyPr>
             <a:normAutofit fontScale="90000"/>
           </a:bodyPr>
+          <a:lstStyle>
+            <a:lvl1pPr defTabSz="850391">
+              <a:tabLst>
+                <a:tab pos="1155700" algn="l"/>
+              </a:tabLst>
+              <a:defRPr sz="2976"/>
+            </a:lvl1pPr>
+          </a:lstStyle>
+          <a:p>
+            <a:r>
+              <a:rPr lang="en-US" sz="2950">
+                <a:ea typeface="+mj-lt"/>
+                <a:cs typeface="+mj-lt"/>
+              </a:rPr>
+              <a:t>Results</a:t>
+            </a:r>
+            <a:endParaRPr lang="en-US"/>
+          </a:p>
+        </p:txBody>
+      </p:sp>
+      <p:sp>
+        <p:nvSpPr>
+          <p:cNvPr id="3159" name="Tijdelijke aanduiding voor datum 3"/>
+          <p:cNvSpPr txBox="1"/>
+          <p:nvPr/>
+        </p:nvSpPr>
+        <p:spPr>
+          <a:xfrm>
+            <a:off x="9789848" y="6246130"/>
+            <a:ext cx="1181101" cy="172815"/>
+          </a:xfrm>
+          <a:prstGeom prst="rect">
+            <a:avLst/>
+          </a:prstGeom>
+          <a:ln w="12700">
+            <a:miter lim="400000"/>
+          </a:ln>
+          <a:extLst>
+            <a:ext uri="{C572A759-6A51-4108-AA02-DFA0A04FC94B}">
+              <ma14:wrappingTextBoxFlag xmlns="" xmlns:m="http://schemas.openxmlformats.org/officeDocument/2006/math" xmlns:a14="http://schemas.microsoft.com/office/drawing/2010/main" xmlns:ma14="http://schemas.microsoft.com/office/mac/drawingml/2011/main" val="1"/>
+            </a:ext>
+          </a:extLst>
+        </p:spPr>
+        <p:txBody>
+          <a:bodyPr lIns="0" tIns="0" rIns="0" bIns="0" anchor="ctr">
+            <a:spAutoFit/>
+          </a:bodyPr>
+          <a:lstStyle>
+            <a:lvl1pPr algn="r">
+              <a:defRPr sz="1200">
+                <a:solidFill>
+                  <a:srgbClr val="A6A6A6"/>
+                </a:solidFill>
+              </a:defRPr>
+            </a:lvl1pPr>
+          </a:lstStyle>
+          <a:p>
+            <a:r>
+              <a:t>09-10-2020</a:t>
+            </a:r>
+          </a:p>
+        </p:txBody>
+      </p:sp>
+      <p:sp>
+        <p:nvSpPr>
+          <p:cNvPr id="3160" name="Tijdelijke aanduiding voor dianummer 5"/>
+          <p:cNvSpPr txBox="1">
+            <a:spLocks noGrp="1"/>
+          </p:cNvSpPr>
+          <p:nvPr>
+            <p:ph type="sldNum" sz="quarter" idx="2"/>
+          </p:nvPr>
+        </p:nvSpPr>
+        <p:spPr>
+          <a:xfrm>
+            <a:off x="11345000" y="6246130"/>
+            <a:ext cx="127001" cy="172815"/>
+          </a:xfrm>
+          <a:prstGeom prst="rect">
+            <a:avLst/>
+          </a:prstGeom>
+          <a:extLst>
+            <a:ext uri="{C572A759-6A51-4108-AA02-DFA0A04FC94B}">
+              <ma14:wrappingTextBoxFlag xmlns="" xmlns:m="http://schemas.openxmlformats.org/officeDocument/2006/math" xmlns:a14="http://schemas.microsoft.com/office/drawing/2010/main" xmlns:ma14="http://schemas.microsoft.com/office/mac/drawingml/2011/main" val="1"/>
+            </a:ext>
+          </a:extLst>
+        </p:spPr>
+        <p:txBody>
+          <a:bodyPr/>
           <a:lstStyle/>
           <a:p>
-            <a:r>
-              <a:rPr lang="en-US">
-                <a:cs typeface="Calibri Light"/>
-              </a:rPr>
-              <a:t>Q&amp;A</a:t>
-            </a:r>
-          </a:p>
-        </p:txBody>
-      </p:sp>
+            <a:fld id="{86CB4B4D-7CA3-9044-876B-883B54F8677D}" type="slidenum">
+              <a:t>9</a:t>
+            </a:fld>
+            <a:endParaRPr/>
+          </a:p>
+        </p:txBody>
+      </p:sp>
+      <p:pic>
+        <p:nvPicPr>
+          <p:cNvPr id="3" name="Picture 3" descr="Graphical user interface&#10;&#10;Description automatically generated">
+            <a:extLst>
+              <a:ext uri="{FF2B5EF4-FFF2-40B4-BE49-F238E27FC236}">
+                <a16:creationId xmlns:a16="http://schemas.microsoft.com/office/drawing/2014/main" id="{5B7DDF08-3E04-3CFA-106D-225D0BAD8BBA}"/>
+              </a:ext>
+            </a:extLst>
+          </p:cNvPr>
+          <p:cNvPicPr>
+            <a:picLocks noChangeAspect="1"/>
+          </p:cNvPicPr>
+          <p:nvPr/>
+        </p:nvPicPr>
+        <p:blipFill rotWithShape="1">
+          <a:blip r:embed="rId2"/>
+          <a:srcRect t="8417" r="-78" b="-926"/>
+          <a:stretch/>
+        </p:blipFill>
+        <p:spPr>
+          <a:xfrm>
+            <a:off x="1030706" y="2009635"/>
+            <a:ext cx="6471080" cy="3624551"/>
+          </a:xfrm>
+          <a:prstGeom prst="rect">
+            <a:avLst/>
+          </a:prstGeom>
+        </p:spPr>
+      </p:pic>
+      <p:pic>
+        <p:nvPicPr>
+          <p:cNvPr id="6" name="Picture 6" descr="Chart, histogram&#10;&#10;Description automatically generated">
+            <a:extLst>
+              <a:ext uri="{FF2B5EF4-FFF2-40B4-BE49-F238E27FC236}">
+                <a16:creationId xmlns:a16="http://schemas.microsoft.com/office/drawing/2014/main" id="{8299607D-13E4-93A9-1515-8632D74493A1}"/>
+              </a:ext>
+            </a:extLst>
+          </p:cNvPr>
+          <p:cNvPicPr>
+            <a:picLocks noChangeAspect="1"/>
+          </p:cNvPicPr>
+          <p:nvPr/>
+        </p:nvPicPr>
+        <p:blipFill>
+          <a:blip r:embed="rId3"/>
+          <a:stretch>
+            <a:fillRect/>
+          </a:stretch>
+        </p:blipFill>
+        <p:spPr>
+          <a:xfrm>
+            <a:off x="696686" y="422470"/>
+            <a:ext cx="9886301" cy="5468774"/>
+          </a:xfrm>
+          <a:prstGeom prst="rect">
+            <a:avLst/>
+          </a:prstGeom>
+        </p:spPr>
+      </p:pic>
     </p:spTree>
     <p:extLst>
       <p:ext uri="{BB962C8B-B14F-4D97-AF65-F5344CB8AC3E}">
-        <p14:creationId xmlns:p14="http://schemas.microsoft.com/office/powerpoint/2010/main" val="934779200"/>
+        <p14:creationId xmlns:p14="http://schemas.microsoft.com/office/powerpoint/2010/main" val="1761150564"/>
       </p:ext>
     </p:extLst>
   </p:cSld>
   <p:clrMapOvr>
     <a:masterClrMapping/>
   </p:clrMapOvr>
-  <p:transition spd="med"/>
+  <p:transition spd="slow">
+    <p:fade/>
+  </p:transition>
 </p:sld>
 </file>
 
